--- a/AppCinema_MicheleGambardella.pptx
+++ b/AppCinema_MicheleGambardella.pptx
@@ -7,7 +7,7 @@
     <p:sldMasterId id="2147483653" r:id="rId3"/>
   </p:sldMasterIdLst>
   <p:notesMasterIdLst>
-    <p:notesMasterId r:id="rId25"/>
+    <p:notesMasterId r:id="rId27"/>
   </p:notesMasterIdLst>
   <p:sldIdLst>
     <p:sldId id="256" r:id="rId4"/>
@@ -29,8 +29,10 @@
     <p:sldId id="315" r:id="rId20"/>
     <p:sldId id="317" r:id="rId21"/>
     <p:sldId id="318" r:id="rId22"/>
-    <p:sldId id="320" r:id="rId23"/>
-    <p:sldId id="319" r:id="rId24"/>
+    <p:sldId id="321" r:id="rId23"/>
+    <p:sldId id="322" r:id="rId24"/>
+    <p:sldId id="320" r:id="rId25"/>
+    <p:sldId id="319" r:id="rId26"/>
   </p:sldIdLst>
   <p:sldSz cx="9144000" cy="5143500" type="screen16x9"/>
   <p:notesSz cx="6858000" cy="9144000"/>
@@ -230,7 +232,7 @@
           <a:p>
             <a:fld id="{4091F8EB-0354-4F73-A0A4-9564776C5D29}" type="datetimeFigureOut">
               <a:rPr lang="it-IT" smtClean="0"/>
-              <a:t>06/07/2024</a:t>
+              <a:t>07/07/2024</a:t>
             </a:fld>
             <a:endParaRPr lang="it-IT"/>
           </a:p>
@@ -581,7 +583,7 @@
           <a:p>
             <a:fld id="{72CCF7D9-F7D8-4CDB-ABDB-1A4227D4C438}" type="slidenum">
               <a:rPr lang="it-IT" smtClean="0"/>
-              <a:t>20</a:t>
+              <a:t>22</a:t>
             </a:fld>
             <a:endParaRPr lang="it-IT"/>
           </a:p>
@@ -15338,6 +15340,935 @@
           <a:p>
             <a:r>
               <a:rPr lang="en-US" altLang="ko-KR" dirty="0" err="1"/>
+              <a:t>Storico</a:t>
+            </a:r>
+            <a:r>
+              <a:rPr lang="en-US" altLang="ko-KR" dirty="0"/>
+              <a:t> film – Upload </a:t>
+            </a:r>
+            <a:r>
+              <a:rPr lang="en-US" altLang="ko-KR" dirty="0" err="1"/>
+              <a:t>programmazione</a:t>
+            </a:r>
+            <a:endParaRPr lang="ko-KR" altLang="en-US" dirty="0"/>
+          </a:p>
+        </p:txBody>
+      </p:sp>
+      <p:sp>
+        <p:nvSpPr>
+          <p:cNvPr id="3" name="Text Placeholder 2"/>
+          <p:cNvSpPr>
+            <a:spLocks noGrp="1"/>
+          </p:cNvSpPr>
+          <p:nvPr>
+            <p:ph type="body" sz="quarter" idx="11"/>
+          </p:nvPr>
+        </p:nvSpPr>
+        <p:spPr/>
+        <p:txBody>
+          <a:bodyPr/>
+          <a:lstStyle/>
+          <a:p>
+            <a:pPr lvl="0"/>
+            <a:r>
+              <a:rPr lang="en-US" altLang="ko-KR" dirty="0" err="1"/>
+              <a:t>Caricamento</a:t>
+            </a:r>
+            <a:r>
+              <a:rPr lang="en-US" altLang="ko-KR" dirty="0"/>
+              <a:t> di una </a:t>
+            </a:r>
+            <a:r>
+              <a:rPr lang="en-US" altLang="ko-KR" dirty="0" err="1"/>
+              <a:t>nuova</a:t>
+            </a:r>
+            <a:r>
+              <a:rPr lang="en-US" altLang="ko-KR" dirty="0"/>
+              <a:t> </a:t>
+            </a:r>
+            <a:r>
+              <a:rPr lang="en-US" altLang="ko-KR" dirty="0" err="1"/>
+              <a:t>programmazione</a:t>
+            </a:r>
+            <a:endParaRPr lang="en-US" altLang="ko-KR" dirty="0"/>
+          </a:p>
+        </p:txBody>
+      </p:sp>
+      <p:sp>
+        <p:nvSpPr>
+          <p:cNvPr id="5" name="Oval 4"/>
+          <p:cNvSpPr/>
+          <p:nvPr/>
+        </p:nvSpPr>
+        <p:spPr>
+          <a:xfrm>
+            <a:off x="3839006" y="2320045"/>
+            <a:ext cx="1224136" cy="1224136"/>
+          </a:xfrm>
+          <a:prstGeom prst="ellipse">
+            <a:avLst/>
+          </a:prstGeom>
+          <a:solidFill>
+            <a:schemeClr val="accent1"/>
+          </a:solidFill>
+          <a:ln w="50800">
+            <a:solidFill>
+              <a:schemeClr val="bg1"/>
+            </a:solidFill>
+          </a:ln>
+        </p:spPr>
+        <p:style>
+          <a:lnRef idx="2">
+            <a:schemeClr val="accent1">
+              <a:shade val="50000"/>
+            </a:schemeClr>
+          </a:lnRef>
+          <a:fillRef idx="1">
+            <a:schemeClr val="accent1"/>
+          </a:fillRef>
+          <a:effectRef idx="0">
+            <a:schemeClr val="accent1"/>
+          </a:effectRef>
+          <a:fontRef idx="minor">
+            <a:schemeClr val="lt1"/>
+          </a:fontRef>
+        </p:style>
+        <p:txBody>
+          <a:bodyPr rtlCol="0" anchor="ctr"/>
+          <a:lstStyle/>
+          <a:p>
+            <a:pPr algn="ctr"/>
+            <a:endParaRPr lang="ko-KR" altLang="en-US"/>
+          </a:p>
+        </p:txBody>
+      </p:sp>
+      <p:sp>
+        <p:nvSpPr>
+          <p:cNvPr id="6" name="Block Arc 14"/>
+          <p:cNvSpPr/>
+          <p:nvPr/>
+        </p:nvSpPr>
+        <p:spPr>
+          <a:xfrm rot="16200000">
+            <a:off x="4191627" y="2499571"/>
+            <a:ext cx="518895" cy="519236"/>
+          </a:xfrm>
+          <a:custGeom>
+            <a:avLst/>
+            <a:gdLst/>
+            <a:ahLst/>
+            <a:cxnLst/>
+            <a:rect l="l" t="t" r="r" b="b"/>
+            <a:pathLst>
+              <a:path w="3185463" h="3187558">
+                <a:moveTo>
+                  <a:pt x="764000" y="2343999"/>
+                </a:moveTo>
+                <a:cubicBezTo>
+                  <a:pt x="566798" y="2256389"/>
+                  <a:pt x="385374" y="2134753"/>
+                  <a:pt x="230072" y="1981662"/>
+                </a:cubicBezTo>
+                <a:cubicBezTo>
+                  <a:pt x="297001" y="2223876"/>
+                  <a:pt x="428049" y="2439341"/>
+                  <a:pt x="603989" y="2608945"/>
+                </a:cubicBezTo>
+                <a:cubicBezTo>
+                  <a:pt x="667739" y="2525681"/>
+                  <a:pt x="720588" y="2436567"/>
+                  <a:pt x="764000" y="2343999"/>
+                </a:cubicBezTo>
+                <a:close/>
+                <a:moveTo>
+                  <a:pt x="783530" y="862903"/>
+                </a:moveTo>
+                <a:cubicBezTo>
+                  <a:pt x="737619" y="760936"/>
+                  <a:pt x="681240" y="662513"/>
+                  <a:pt x="611676" y="571152"/>
+                </a:cubicBezTo>
+                <a:cubicBezTo>
+                  <a:pt x="419218" y="754019"/>
+                  <a:pt x="279227" y="991173"/>
+                  <a:pt x="215545" y="1258034"/>
+                </a:cubicBezTo>
+                <a:cubicBezTo>
+                  <a:pt x="378729" y="1090139"/>
+                  <a:pt x="571934" y="956907"/>
+                  <a:pt x="783530" y="862903"/>
+                </a:cubicBezTo>
+                <a:close/>
+                <a:moveTo>
+                  <a:pt x="935657" y="1673146"/>
+                </a:moveTo>
+                <a:lnTo>
+                  <a:pt x="227023" y="1673146"/>
+                </a:lnTo>
+                <a:cubicBezTo>
+                  <a:pt x="393068" y="1882941"/>
+                  <a:pt x="605618" y="2045968"/>
+                  <a:pt x="844267" y="2153109"/>
+                </a:cubicBezTo>
+                <a:cubicBezTo>
+                  <a:pt x="897907" y="1997390"/>
+                  <a:pt x="928862" y="1835739"/>
+                  <a:pt x="935657" y="1673146"/>
+                </a:cubicBezTo>
+                <a:close/>
+                <a:moveTo>
+                  <a:pt x="935928" y="1493146"/>
+                </a:moveTo>
+                <a:cubicBezTo>
+                  <a:pt x="928922" y="1345638"/>
+                  <a:pt x="902278" y="1198995"/>
+                  <a:pt x="856775" y="1056956"/>
+                </a:cubicBezTo>
+                <a:cubicBezTo>
+                  <a:pt x="636768" y="1156959"/>
+                  <a:pt x="439487" y="1304654"/>
+                  <a:pt x="281464" y="1493146"/>
+                </a:cubicBezTo>
+                <a:close/>
+                <a:moveTo>
+                  <a:pt x="1469785" y="2515107"/>
+                </a:moveTo>
+                <a:cubicBezTo>
+                  <a:pt x="1283000" y="2508124"/>
+                  <a:pt x="1100523" y="2472287"/>
+                  <a:pt x="927628" y="2411229"/>
+                </a:cubicBezTo>
+                <a:cubicBezTo>
+                  <a:pt x="876831" y="2520843"/>
+                  <a:pt x="814172" y="2626182"/>
+                  <a:pt x="738220" y="2724387"/>
+                </a:cubicBezTo>
+                <a:cubicBezTo>
+                  <a:pt x="944637" y="2881665"/>
+                  <a:pt x="1196120" y="2982471"/>
+                  <a:pt x="1469785" y="3005418"/>
+                </a:cubicBezTo>
+                <a:close/>
+                <a:moveTo>
+                  <a:pt x="1469785" y="1673146"/>
+                </a:moveTo>
+                <a:lnTo>
+                  <a:pt x="1112275" y="1673146"/>
+                </a:lnTo>
+                <a:cubicBezTo>
+                  <a:pt x="1105327" y="1858153"/>
+                  <a:pt x="1070032" y="2042144"/>
+                  <a:pt x="1008001" y="2219039"/>
+                </a:cubicBezTo>
+                <a:cubicBezTo>
+                  <a:pt x="1155519" y="2270408"/>
+                  <a:pt x="1310845" y="2300826"/>
+                  <a:pt x="1469785" y="2307834"/>
+                </a:cubicBezTo>
+                <a:close/>
+                <a:moveTo>
+                  <a:pt x="1469785" y="898989"/>
+                </a:moveTo>
+                <a:cubicBezTo>
+                  <a:pt x="1315103" y="907762"/>
+                  <a:pt x="1164166" y="938783"/>
+                  <a:pt x="1020939" y="990066"/>
+                </a:cubicBezTo>
+                <a:cubicBezTo>
+                  <a:pt x="1074574" y="1153655"/>
+                  <a:pt x="1105461" y="1322925"/>
+                  <a:pt x="1112368" y="1493146"/>
+                </a:cubicBezTo>
+                <a:lnTo>
+                  <a:pt x="1469785" y="1493146"/>
+                </a:lnTo>
+                <a:close/>
+                <a:moveTo>
+                  <a:pt x="1469785" y="182141"/>
+                </a:moveTo>
+                <a:cubicBezTo>
+                  <a:pt x="1199839" y="204777"/>
+                  <a:pt x="951477" y="303168"/>
+                  <a:pt x="746615" y="456764"/>
+                </a:cubicBezTo>
+                <a:cubicBezTo>
+                  <a:pt x="828296" y="562801"/>
+                  <a:pt x="894225" y="677310"/>
+                  <a:pt x="947434" y="796072"/>
+                </a:cubicBezTo>
+                <a:cubicBezTo>
+                  <a:pt x="1113886" y="736067"/>
+                  <a:pt x="1289644" y="700323"/>
+                  <a:pt x="1469785" y="691530"/>
+                </a:cubicBezTo>
+                <a:close/>
+                <a:moveTo>
+                  <a:pt x="2150063" y="992171"/>
+                </a:moveTo>
+                <a:cubicBezTo>
+                  <a:pt x="1990712" y="935501"/>
+                  <a:pt x="1822242" y="902595"/>
+                  <a:pt x="1649785" y="897224"/>
+                </a:cubicBezTo>
+                <a:lnTo>
+                  <a:pt x="1649785" y="1493146"/>
+                </a:lnTo>
+                <a:lnTo>
+                  <a:pt x="2063712" y="1493146"/>
+                </a:lnTo>
+                <a:cubicBezTo>
+                  <a:pt x="2069089" y="1323887"/>
+                  <a:pt x="2098366" y="1155330"/>
+                  <a:pt x="2150063" y="992171"/>
+                </a:cubicBezTo>
+                <a:close/>
+                <a:moveTo>
+                  <a:pt x="2168848" y="2199110"/>
+                </a:moveTo>
+                <a:cubicBezTo>
+                  <a:pt x="2108555" y="2028681"/>
+                  <a:pt x="2073581" y="1851532"/>
+                  <a:pt x="2065295" y="1673146"/>
+                </a:cubicBezTo>
+                <a:lnTo>
+                  <a:pt x="1649785" y="1673146"/>
+                </a:lnTo>
+                <a:lnTo>
+                  <a:pt x="1649785" y="2307299"/>
+                </a:lnTo>
+                <a:cubicBezTo>
+                  <a:pt x="1829404" y="2299517"/>
+                  <a:pt x="2004315" y="2261965"/>
+                  <a:pt x="2168848" y="2199110"/>
+                </a:cubicBezTo>
+                <a:close/>
+                <a:moveTo>
+                  <a:pt x="2422394" y="446879"/>
+                </a:moveTo>
+                <a:cubicBezTo>
+                  <a:pt x="2204309" y="287209"/>
+                  <a:pt x="1938140" y="189883"/>
+                  <a:pt x="1649785" y="178919"/>
+                </a:cubicBezTo>
+                <a:lnTo>
+                  <a:pt x="1649785" y="689876"/>
+                </a:lnTo>
+                <a:cubicBezTo>
+                  <a:pt x="1846998" y="695154"/>
+                  <a:pt x="2039668" y="732502"/>
+                  <a:pt x="2221721" y="797410"/>
+                </a:cubicBezTo>
+                <a:cubicBezTo>
+                  <a:pt x="2275056" y="675360"/>
+                  <a:pt x="2341760" y="557662"/>
+                  <a:pt x="2422394" y="446879"/>
+                </a:cubicBezTo>
+                <a:close/>
+                <a:moveTo>
+                  <a:pt x="2447278" y="2722123"/>
+                </a:moveTo>
+                <a:cubicBezTo>
+                  <a:pt x="2366121" y="2618714"/>
+                  <a:pt x="2299534" y="2507403"/>
+                  <a:pt x="2246145" y="2391362"/>
+                </a:cubicBezTo>
+                <a:cubicBezTo>
+                  <a:pt x="2057375" y="2464119"/>
+                  <a:pt x="1856285" y="2506958"/>
+                  <a:pt x="1649785" y="2514779"/>
+                </a:cubicBezTo>
+                <a:lnTo>
+                  <a:pt x="1649785" y="3008639"/>
+                </a:lnTo>
+                <a:cubicBezTo>
+                  <a:pt x="1949198" y="2997255"/>
+                  <a:pt x="2224691" y="2892757"/>
+                  <a:pt x="2447278" y="2722123"/>
+                </a:cubicBezTo>
+                <a:close/>
+                <a:moveTo>
+                  <a:pt x="2878934" y="1493146"/>
+                </a:moveTo>
+                <a:cubicBezTo>
+                  <a:pt x="2723190" y="1307255"/>
+                  <a:pt x="2529440" y="1161128"/>
+                  <a:pt x="2313862" y="1060620"/>
+                </a:cubicBezTo>
+                <a:cubicBezTo>
+                  <a:pt x="2270535" y="1201714"/>
+                  <a:pt x="2245604" y="1347104"/>
+                  <a:pt x="2240109" y="1493146"/>
+                </a:cubicBezTo>
+                <a:close/>
+                <a:moveTo>
+                  <a:pt x="2890636" y="1673146"/>
+                </a:moveTo>
+                <a:lnTo>
+                  <a:pt x="2241814" y="1673146"/>
+                </a:lnTo>
+                <a:cubicBezTo>
+                  <a:pt x="2249736" y="1827102"/>
+                  <a:pt x="2279520" y="1979973"/>
+                  <a:pt x="2329964" y="2127513"/>
+                </a:cubicBezTo>
+                <a:cubicBezTo>
+                  <a:pt x="2545677" y="2019923"/>
+                  <a:pt x="2738160" y="1866413"/>
+                  <a:pt x="2890636" y="1673146"/>
+                </a:cubicBezTo>
+                <a:close/>
+                <a:moveTo>
+                  <a:pt x="2973035" y="1284386"/>
+                </a:moveTo>
+                <a:cubicBezTo>
+                  <a:pt x="2912066" y="1001840"/>
+                  <a:pt x="2765308" y="751379"/>
+                  <a:pt x="2561381" y="561108"/>
+                </a:cubicBezTo>
+                <a:cubicBezTo>
+                  <a:pt x="2489321" y="656437"/>
+                  <a:pt x="2431363" y="759225"/>
+                  <a:pt x="2384553" y="865647"/>
+                </a:cubicBezTo>
+                <a:cubicBezTo>
+                  <a:pt x="2604520" y="964977"/>
+                  <a:pt x="2804622" y="1106677"/>
+                  <a:pt x="2973035" y="1284386"/>
+                </a:cubicBezTo>
+                <a:close/>
+                <a:moveTo>
+                  <a:pt x="2974277" y="1897328"/>
+                </a:moveTo>
+                <a:cubicBezTo>
+                  <a:pt x="2812488" y="2073933"/>
+                  <a:pt x="2619878" y="2216690"/>
+                  <a:pt x="2407486" y="2319665"/>
+                </a:cubicBezTo>
+                <a:cubicBezTo>
+                  <a:pt x="2454169" y="2420503"/>
+                  <a:pt x="2511856" y="2517376"/>
+                  <a:pt x="2582047" y="2607468"/>
+                </a:cubicBezTo>
+                <a:cubicBezTo>
+                  <a:pt x="2776399" y="2417974"/>
+                  <a:pt x="2916061" y="2172750"/>
+                  <a:pt x="2974277" y="1897328"/>
+                </a:cubicBezTo>
+                <a:close/>
+                <a:moveTo>
+                  <a:pt x="3185463" y="1593779"/>
+                </a:moveTo>
+                <a:cubicBezTo>
+                  <a:pt x="3185463" y="2473999"/>
+                  <a:pt x="2471904" y="3187558"/>
+                  <a:pt x="1591684" y="3187558"/>
+                </a:cubicBezTo>
+                <a:cubicBezTo>
+                  <a:pt x="738111" y="3187558"/>
+                  <a:pt x="41261" y="2516549"/>
+                  <a:pt x="1913" y="1673146"/>
+                </a:cubicBezTo>
+                <a:lnTo>
+                  <a:pt x="0" y="1673146"/>
+                </a:lnTo>
+                <a:lnTo>
+                  <a:pt x="0" y="1493146"/>
+                </a:lnTo>
+                <a:lnTo>
+                  <a:pt x="2750" y="1493146"/>
+                </a:lnTo>
+                <a:cubicBezTo>
+                  <a:pt x="50490" y="700174"/>
+                  <a:pt x="679654" y="64473"/>
+                  <a:pt x="1469785" y="6156"/>
+                </a:cubicBezTo>
+                <a:lnTo>
+                  <a:pt x="1469785" y="0"/>
+                </a:lnTo>
+                <a:lnTo>
+                  <a:pt x="1591684" y="0"/>
+                </a:lnTo>
+                <a:lnTo>
+                  <a:pt x="1649785" y="0"/>
+                </a:lnTo>
+                <a:lnTo>
+                  <a:pt x="1649785" y="2934"/>
+                </a:lnTo>
+                <a:cubicBezTo>
+                  <a:pt x="2503127" y="31654"/>
+                  <a:pt x="3185463" y="733032"/>
+                  <a:pt x="3185463" y="1593779"/>
+                </a:cubicBezTo>
+                <a:close/>
+              </a:path>
+            </a:pathLst>
+          </a:custGeom>
+          <a:solidFill>
+            <a:schemeClr val="bg1"/>
+          </a:solidFill>
+          <a:ln>
+            <a:noFill/>
+          </a:ln>
+        </p:spPr>
+        <p:style>
+          <a:lnRef idx="2">
+            <a:schemeClr val="accent1">
+              <a:shade val="50000"/>
+            </a:schemeClr>
+          </a:lnRef>
+          <a:fillRef idx="1">
+            <a:schemeClr val="accent1"/>
+          </a:fillRef>
+          <a:effectRef idx="0">
+            <a:schemeClr val="accent1"/>
+          </a:effectRef>
+          <a:fontRef idx="minor">
+            <a:schemeClr val="lt1"/>
+          </a:fontRef>
+        </p:style>
+        <p:txBody>
+          <a:bodyPr rot="0" spcFirstLastPara="0" vertOverflow="overflow" horzOverflow="overflow" vert="horz" wrap="square" lIns="91440" tIns="45720" rIns="91440" bIns="45720" numCol="1" spcCol="0" rtlCol="0" fromWordArt="0" anchor="ctr" anchorCtr="0" forceAA="0" compatLnSpc="1">
+            <a:prstTxWarp prst="textNoShape">
+              <a:avLst/>
+            </a:prstTxWarp>
+            <a:noAutofit/>
+          </a:bodyPr>
+          <a:lstStyle/>
+          <a:p>
+            <a:pPr algn="ctr"/>
+            <a:endParaRPr lang="ko-KR" altLang="en-US">
+              <a:solidFill>
+                <a:schemeClr val="tx1"/>
+              </a:solidFill>
+            </a:endParaRPr>
+          </a:p>
+        </p:txBody>
+      </p:sp>
+      <p:sp>
+        <p:nvSpPr>
+          <p:cNvPr id="11" name="TextBox 10"/>
+          <p:cNvSpPr txBox="1"/>
+          <p:nvPr/>
+        </p:nvSpPr>
+        <p:spPr>
+          <a:xfrm>
+            <a:off x="509355" y="1177787"/>
+            <a:ext cx="3505876" cy="646331"/>
+          </a:xfrm>
+          <a:prstGeom prst="rect">
+            <a:avLst/>
+          </a:prstGeom>
+          <a:noFill/>
+        </p:spPr>
+        <p:txBody>
+          <a:bodyPr wrap="square" rtlCol="0">
+            <a:spAutoFit/>
+          </a:bodyPr>
+          <a:lstStyle/>
+          <a:p>
+            <a:r>
+              <a:rPr lang="it-IT" altLang="ko-KR" sz="1200" dirty="0">
+                <a:solidFill>
+                  <a:schemeClr val="tx1">
+                    <a:lumMod val="75000"/>
+                    <a:lumOff val="25000"/>
+                  </a:schemeClr>
+                </a:solidFill>
+                <a:cs typeface="Arial" pitchFamily="34" charset="0"/>
+              </a:rPr>
+              <a:t>L’utente autenticato con successo, avrà modo di caricare una programmazione da un file Excel correttamente formattato</a:t>
+            </a:r>
+          </a:p>
+        </p:txBody>
+      </p:sp>
+      <p:sp>
+        <p:nvSpPr>
+          <p:cNvPr id="12" name="TextBox 11"/>
+          <p:cNvSpPr txBox="1"/>
+          <p:nvPr/>
+        </p:nvSpPr>
+        <p:spPr>
+          <a:xfrm>
+            <a:off x="611560" y="3445194"/>
+            <a:ext cx="2736304" cy="461665"/>
+          </a:xfrm>
+          <a:prstGeom prst="rect">
+            <a:avLst/>
+          </a:prstGeom>
+          <a:noFill/>
+        </p:spPr>
+        <p:txBody>
+          <a:bodyPr wrap="square" rtlCol="0">
+            <a:spAutoFit/>
+          </a:bodyPr>
+          <a:lstStyle/>
+          <a:p>
+            <a:r>
+              <a:rPr lang="en-US" altLang="ko-KR" sz="1200" dirty="0">
+                <a:solidFill>
+                  <a:schemeClr val="tx1">
+                    <a:lumMod val="75000"/>
+                    <a:lumOff val="25000"/>
+                  </a:schemeClr>
+                </a:solidFill>
+                <a:cs typeface="Arial" pitchFamily="34" charset="0"/>
+              </a:rPr>
+              <a:t>NB: </a:t>
+            </a:r>
+            <a:r>
+              <a:rPr lang="en-US" altLang="ko-KR" sz="1200" dirty="0" err="1">
+                <a:solidFill>
+                  <a:schemeClr val="tx1">
+                    <a:lumMod val="75000"/>
+                    <a:lumOff val="25000"/>
+                  </a:schemeClr>
+                </a:solidFill>
+                <a:cs typeface="Arial" pitchFamily="34" charset="0"/>
+              </a:rPr>
+              <a:t>l’upload</a:t>
+            </a:r>
+            <a:r>
+              <a:rPr lang="en-US" altLang="ko-KR" sz="1200" dirty="0">
+                <a:solidFill>
+                  <a:schemeClr val="tx1">
+                    <a:lumMod val="75000"/>
+                    <a:lumOff val="25000"/>
+                  </a:schemeClr>
+                </a:solidFill>
+                <a:cs typeface="Arial" pitchFamily="34" charset="0"/>
+              </a:rPr>
+              <a:t> </a:t>
+            </a:r>
+            <a:r>
+              <a:rPr lang="en-US" altLang="ko-KR" sz="1200" dirty="0" err="1">
+                <a:solidFill>
+                  <a:schemeClr val="tx1">
+                    <a:lumMod val="75000"/>
+                    <a:lumOff val="25000"/>
+                  </a:schemeClr>
+                </a:solidFill>
+                <a:cs typeface="Arial" pitchFamily="34" charset="0"/>
+              </a:rPr>
+              <a:t>della</a:t>
+            </a:r>
+            <a:r>
+              <a:rPr lang="en-US" altLang="ko-KR" sz="1200" dirty="0">
+                <a:solidFill>
+                  <a:schemeClr val="tx1">
+                    <a:lumMod val="75000"/>
+                    <a:lumOff val="25000"/>
+                  </a:schemeClr>
+                </a:solidFill>
+                <a:cs typeface="Arial" pitchFamily="34" charset="0"/>
+              </a:rPr>
+              <a:t> </a:t>
+            </a:r>
+            <a:r>
+              <a:rPr lang="en-US" altLang="ko-KR" sz="1200" dirty="0" err="1">
+                <a:solidFill>
+                  <a:schemeClr val="tx1">
+                    <a:lumMod val="75000"/>
+                    <a:lumOff val="25000"/>
+                  </a:schemeClr>
+                </a:solidFill>
+                <a:cs typeface="Arial" pitchFamily="34" charset="0"/>
+              </a:rPr>
+              <a:t>programmazione</a:t>
+            </a:r>
+            <a:r>
+              <a:rPr lang="en-US" altLang="ko-KR" sz="1200" dirty="0">
+                <a:solidFill>
+                  <a:schemeClr val="tx1">
+                    <a:lumMod val="75000"/>
+                    <a:lumOff val="25000"/>
+                  </a:schemeClr>
+                </a:solidFill>
+                <a:cs typeface="Arial" pitchFamily="34" charset="0"/>
+              </a:rPr>
+              <a:t> </a:t>
+            </a:r>
+            <a:r>
+              <a:rPr lang="en-US" altLang="ko-KR" sz="1200" dirty="0" err="1">
+                <a:solidFill>
+                  <a:schemeClr val="tx1">
+                    <a:lumMod val="75000"/>
+                    <a:lumOff val="25000"/>
+                  </a:schemeClr>
+                </a:solidFill>
+                <a:cs typeface="Arial" pitchFamily="34" charset="0"/>
+              </a:rPr>
+              <a:t>sovrascrive</a:t>
+            </a:r>
+            <a:r>
+              <a:rPr lang="en-US" altLang="ko-KR" sz="1200" dirty="0">
+                <a:solidFill>
+                  <a:schemeClr val="tx1">
+                    <a:lumMod val="75000"/>
+                    <a:lumOff val="25000"/>
+                  </a:schemeClr>
+                </a:solidFill>
+                <a:cs typeface="Arial" pitchFamily="34" charset="0"/>
+              </a:rPr>
+              <a:t> la </a:t>
+            </a:r>
+            <a:r>
+              <a:rPr lang="en-US" altLang="ko-KR" sz="1200" dirty="0" err="1">
+                <a:solidFill>
+                  <a:schemeClr val="tx1">
+                    <a:lumMod val="75000"/>
+                    <a:lumOff val="25000"/>
+                  </a:schemeClr>
+                </a:solidFill>
+                <a:cs typeface="Arial" pitchFamily="34" charset="0"/>
+              </a:rPr>
+              <a:t>precedente</a:t>
+            </a:r>
+            <a:endParaRPr lang="en-US" altLang="ko-KR" sz="1200" dirty="0">
+              <a:solidFill>
+                <a:schemeClr val="tx1">
+                  <a:lumMod val="75000"/>
+                  <a:lumOff val="25000"/>
+                </a:schemeClr>
+              </a:solidFill>
+              <a:cs typeface="Arial" pitchFamily="34" charset="0"/>
+            </a:endParaRPr>
+          </a:p>
+        </p:txBody>
+      </p:sp>
+      <p:sp>
+        <p:nvSpPr>
+          <p:cNvPr id="10" name="TextBox 7">
+            <a:extLst>
+              <a:ext uri="{FF2B5EF4-FFF2-40B4-BE49-F238E27FC236}">
+                <a16:creationId xmlns:a16="http://schemas.microsoft.com/office/drawing/2014/main" id="{3AE52F90-5E75-482D-BA89-683A1B1CAF71}"/>
+              </a:ext>
+            </a:extLst>
+          </p:cNvPr>
+          <p:cNvSpPr txBox="1"/>
+          <p:nvPr/>
+        </p:nvSpPr>
+        <p:spPr>
+          <a:xfrm>
+            <a:off x="5868144" y="4897279"/>
+            <a:ext cx="3528393" cy="246221"/>
+          </a:xfrm>
+          <a:prstGeom prst="rect">
+            <a:avLst/>
+          </a:prstGeom>
+          <a:noFill/>
+        </p:spPr>
+        <p:txBody>
+          <a:bodyPr wrap="square" rtlCol="0">
+            <a:spAutoFit/>
+          </a:bodyPr>
+          <a:lstStyle/>
+          <a:p>
+            <a:r>
+              <a:rPr lang="en-US" altLang="ko-KR" sz="1000" b="1" dirty="0">
+                <a:solidFill>
+                  <a:schemeClr val="tx1">
+                    <a:lumMod val="75000"/>
+                    <a:lumOff val="25000"/>
+                  </a:schemeClr>
+                </a:solidFill>
+                <a:cs typeface="Arial" pitchFamily="34" charset="0"/>
+              </a:rPr>
+              <a:t>Gambardella Michele – m.gambardella05@gmail.com</a:t>
+            </a:r>
+            <a:endParaRPr lang="ko-KR" altLang="en-US" sz="1000" b="1" dirty="0">
+              <a:solidFill>
+                <a:schemeClr val="tx1">
+                  <a:lumMod val="75000"/>
+                  <a:lumOff val="25000"/>
+                </a:schemeClr>
+              </a:solidFill>
+              <a:cs typeface="Arial" pitchFamily="34" charset="0"/>
+            </a:endParaRPr>
+          </a:p>
+        </p:txBody>
+      </p:sp>
+      <p:pic>
+        <p:nvPicPr>
+          <p:cNvPr id="15" name="Segnaposto immagine 14">
+            <a:extLst>
+              <a:ext uri="{FF2B5EF4-FFF2-40B4-BE49-F238E27FC236}">
+                <a16:creationId xmlns:a16="http://schemas.microsoft.com/office/drawing/2014/main" id="{7FB5EDF1-28E2-4554-B0F1-60CDF24AA498}"/>
+              </a:ext>
+            </a:extLst>
+          </p:cNvPr>
+          <p:cNvPicPr>
+            <a:picLocks noGrp="1" noChangeAspect="1"/>
+          </p:cNvPicPr>
+          <p:nvPr>
+            <p:ph type="pic" idx="1"/>
+          </p:nvPr>
+        </p:nvPicPr>
+        <p:blipFill rotWithShape="1">
+          <a:blip r:embed="rId2"/>
+          <a:srcRect t="807" b="807"/>
+          <a:stretch/>
+        </p:blipFill>
+        <p:spPr/>
+      </p:pic>
+    </p:spTree>
+    <p:extLst>
+      <p:ext uri="{BB962C8B-B14F-4D97-AF65-F5344CB8AC3E}">
+        <p14:creationId xmlns:p14="http://schemas.microsoft.com/office/powerpoint/2010/main" val="56844530"/>
+      </p:ext>
+    </p:extLst>
+  </p:cSld>
+  <p:clrMapOvr>
+    <a:masterClrMapping/>
+  </p:clrMapOvr>
+</p:sld>
+</file>
+
+<file path=ppt/slides/slide21.xml><?xml version="1.0" encoding="utf-8"?>
+<p:sld xmlns:a="http://schemas.openxmlformats.org/drawingml/2006/main" xmlns:r="http://schemas.openxmlformats.org/officeDocument/2006/relationships" xmlns:p="http://schemas.openxmlformats.org/presentationml/2006/main">
+  <p:cSld>
+    <p:spTree>
+      <p:nvGrpSpPr>
+        <p:cNvPr id="1" name=""/>
+        <p:cNvGrpSpPr/>
+        <p:nvPr/>
+      </p:nvGrpSpPr>
+      <p:grpSpPr>
+        <a:xfrm>
+          <a:off x="0" y="0"/>
+          <a:ext cx="0" cy="0"/>
+          <a:chOff x="0" y="0"/>
+          <a:chExt cx="0" cy="0"/>
+        </a:xfrm>
+      </p:grpSpPr>
+      <p:sp>
+        <p:nvSpPr>
+          <p:cNvPr id="4" name="TextBox 7">
+            <a:extLst>
+              <a:ext uri="{FF2B5EF4-FFF2-40B4-BE49-F238E27FC236}">
+                <a16:creationId xmlns:a16="http://schemas.microsoft.com/office/drawing/2014/main" id="{2132759E-ACA2-4E3D-996F-210D370E5F62}"/>
+              </a:ext>
+            </a:extLst>
+          </p:cNvPr>
+          <p:cNvSpPr txBox="1"/>
+          <p:nvPr/>
+        </p:nvSpPr>
+        <p:spPr>
+          <a:xfrm>
+            <a:off x="5868144" y="4897279"/>
+            <a:ext cx="3528393" cy="246221"/>
+          </a:xfrm>
+          <a:prstGeom prst="rect">
+            <a:avLst/>
+          </a:prstGeom>
+          <a:noFill/>
+        </p:spPr>
+        <p:txBody>
+          <a:bodyPr wrap="square" rtlCol="0">
+            <a:spAutoFit/>
+          </a:bodyPr>
+          <a:lstStyle/>
+          <a:p>
+            <a:r>
+              <a:rPr lang="en-US" altLang="ko-KR" sz="1000" b="1" dirty="0">
+                <a:solidFill>
+                  <a:schemeClr val="tx1">
+                    <a:lumMod val="75000"/>
+                    <a:lumOff val="25000"/>
+                  </a:schemeClr>
+                </a:solidFill>
+                <a:cs typeface="Arial" pitchFamily="34" charset="0"/>
+              </a:rPr>
+              <a:t>Gambardella Michele – m.gambardella05@gmail.com</a:t>
+            </a:r>
+            <a:endParaRPr lang="ko-KR" altLang="en-US" sz="1000" b="1" dirty="0">
+              <a:solidFill>
+                <a:schemeClr val="tx1">
+                  <a:lumMod val="75000"/>
+                  <a:lumOff val="25000"/>
+                </a:schemeClr>
+              </a:solidFill>
+              <a:cs typeface="Arial" pitchFamily="34" charset="0"/>
+            </a:endParaRPr>
+          </a:p>
+        </p:txBody>
+      </p:sp>
+      <p:pic>
+        <p:nvPicPr>
+          <p:cNvPr id="7" name="Immagine 6">
+            <a:extLst>
+              <a:ext uri="{FF2B5EF4-FFF2-40B4-BE49-F238E27FC236}">
+                <a16:creationId xmlns:a16="http://schemas.microsoft.com/office/drawing/2014/main" id="{277C135B-5173-4658-B646-B73C978F555C}"/>
+              </a:ext>
+            </a:extLst>
+          </p:cNvPr>
+          <p:cNvPicPr>
+            <a:picLocks noChangeAspect="1"/>
+          </p:cNvPicPr>
+          <p:nvPr/>
+        </p:nvPicPr>
+        <p:blipFill>
+          <a:blip r:embed="rId2"/>
+          <a:stretch>
+            <a:fillRect/>
+          </a:stretch>
+        </p:blipFill>
+        <p:spPr>
+          <a:xfrm>
+            <a:off x="-184967" y="267494"/>
+            <a:ext cx="9581504" cy="4629785"/>
+          </a:xfrm>
+          <a:prstGeom prst="rect">
+            <a:avLst/>
+          </a:prstGeom>
+        </p:spPr>
+      </p:pic>
+    </p:spTree>
+    <p:extLst>
+      <p:ext uri="{BB962C8B-B14F-4D97-AF65-F5344CB8AC3E}">
+        <p14:creationId xmlns:p14="http://schemas.microsoft.com/office/powerpoint/2010/main" val="959738072"/>
+      </p:ext>
+    </p:extLst>
+  </p:cSld>
+  <p:clrMapOvr>
+    <a:masterClrMapping/>
+  </p:clrMapOvr>
+</p:sld>
+</file>
+
+<file path=ppt/slides/slide22.xml><?xml version="1.0" encoding="utf-8"?>
+<p:sld xmlns:a="http://schemas.openxmlformats.org/drawingml/2006/main" xmlns:r="http://schemas.openxmlformats.org/officeDocument/2006/relationships" xmlns:p="http://schemas.openxmlformats.org/presentationml/2006/main">
+  <p:cSld>
+    <p:spTree>
+      <p:nvGrpSpPr>
+        <p:cNvPr id="1" name=""/>
+        <p:cNvGrpSpPr/>
+        <p:nvPr/>
+      </p:nvGrpSpPr>
+      <p:grpSpPr>
+        <a:xfrm>
+          <a:off x="0" y="0"/>
+          <a:ext cx="0" cy="0"/>
+          <a:chOff x="0" y="0"/>
+          <a:chExt cx="0" cy="0"/>
+        </a:xfrm>
+      </p:grpSpPr>
+      <p:sp>
+        <p:nvSpPr>
+          <p:cNvPr id="2" name="Text Placeholder 1"/>
+          <p:cNvSpPr>
+            <a:spLocks noGrp="1"/>
+          </p:cNvSpPr>
+          <p:nvPr>
+            <p:ph type="body" sz="quarter" idx="10"/>
+          </p:nvPr>
+        </p:nvSpPr>
+        <p:spPr/>
+        <p:txBody>
+          <a:bodyPr/>
+          <a:lstStyle/>
+          <a:p>
+            <a:r>
+              <a:rPr lang="en-US" altLang="ko-KR" dirty="0" err="1"/>
               <a:t>Conclusioni</a:t>
             </a:r>
             <a:endParaRPr lang="ko-KR" altLang="en-US" dirty="0"/>
@@ -16751,7 +17682,7 @@
 </p:sld>
 </file>
 
-<file path=ppt/slides/slide21.xml><?xml version="1.0" encoding="utf-8"?>
+<file path=ppt/slides/slide23.xml><?xml version="1.0" encoding="utf-8"?>
 <p:sld xmlns:a="http://schemas.openxmlformats.org/drawingml/2006/main" xmlns:r="http://schemas.openxmlformats.org/officeDocument/2006/relationships" xmlns:p="http://schemas.openxmlformats.org/presentationml/2006/main">
   <p:cSld>
     <p:spTree>
@@ -16801,31 +17732,6 @@
               <a:t>l’attenzione</a:t>
             </a:r>
             <a:endParaRPr lang="ko-KR" altLang="en-US" sz="3600" dirty="0"/>
-          </a:p>
-        </p:txBody>
-      </p:sp>
-      <p:sp>
-        <p:nvSpPr>
-          <p:cNvPr id="3" name="Text Placeholder 2"/>
-          <p:cNvSpPr>
-            <a:spLocks noGrp="1"/>
-          </p:cNvSpPr>
-          <p:nvPr>
-            <p:ph type="body" sz="quarter" idx="11"/>
-          </p:nvPr>
-        </p:nvSpPr>
-        <p:spPr>
-          <a:xfrm>
-            <a:off x="-148" y="4122018"/>
-            <a:ext cx="9144000" cy="288032"/>
-          </a:xfrm>
-        </p:spPr>
-        <p:txBody>
-          <a:bodyPr/>
-          <a:lstStyle/>
-          <a:p>
-            <a:pPr lvl="0"/>
-            <a:endParaRPr lang="en-US" altLang="ko-KR" dirty="0"/>
           </a:p>
         </p:txBody>
       </p:sp>
